--- a/Scheduler Presentation.pptx
+++ b/Scheduler Presentation.pptx
@@ -6,11 +6,13 @@
   </p:sldMasterIdLst>
   <p:sldIdLst>
     <p:sldId id="256" r:id="rId2"/>
-    <p:sldId id="257" r:id="rId3"/>
-    <p:sldId id="258" r:id="rId4"/>
-    <p:sldId id="259" r:id="rId5"/>
-    <p:sldId id="260" r:id="rId6"/>
-    <p:sldId id="261" r:id="rId7"/>
+    <p:sldId id="263" r:id="rId3"/>
+    <p:sldId id="257" r:id="rId4"/>
+    <p:sldId id="258" r:id="rId5"/>
+    <p:sldId id="259" r:id="rId6"/>
+    <p:sldId id="260" r:id="rId7"/>
+    <p:sldId id="262" r:id="rId8"/>
+    <p:sldId id="261" r:id="rId9"/>
   </p:sldIdLst>
   <p:sldSz cx="9144000" cy="6858000" type="screen4x3"/>
   <p:notesSz cx="6858000" cy="9144000"/>
@@ -740,7 +742,7 @@
             <a:fld id="{B7C3F878-F5E8-489B-AC8A-64F2A7E22C28}" type="datetimeFigureOut">
               <a:rPr lang="en-US" smtClean="0"/>
               <a:pPr/>
-              <a:t>5/16/18</a:t>
+              <a:t>5/17/18</a:t>
             </a:fld>
             <a:endParaRPr lang="en-US"/>
           </a:p>
@@ -921,7 +923,7 @@
             <a:fld id="{B7C3F878-F5E8-489B-AC8A-64F2A7E22C28}" type="datetimeFigureOut">
               <a:rPr lang="en-US" smtClean="0"/>
               <a:pPr/>
-              <a:t>5/16/18</a:t>
+              <a:t>5/17/18</a:t>
             </a:fld>
             <a:endParaRPr lang="en-US"/>
           </a:p>
@@ -1102,7 +1104,7 @@
             <a:fld id="{B7C3F878-F5E8-489B-AC8A-64F2A7E22C28}" type="datetimeFigureOut">
               <a:rPr lang="en-US" smtClean="0"/>
               <a:pPr/>
-              <a:t>5/16/18</a:t>
+              <a:t>5/17/18</a:t>
             </a:fld>
             <a:endParaRPr lang="en-US"/>
           </a:p>
@@ -1269,7 +1271,7 @@
             <a:fld id="{B7C3F878-F5E8-489B-AC8A-64F2A7E22C28}" type="datetimeFigureOut">
               <a:rPr lang="en-US" smtClean="0"/>
               <a:pPr/>
-              <a:t>5/16/18</a:t>
+              <a:t>5/17/18</a:t>
             </a:fld>
             <a:endParaRPr lang="en-US"/>
           </a:p>
@@ -1510,7 +1512,7 @@
             <a:fld id="{B7C3F878-F5E8-489B-AC8A-64F2A7E22C28}" type="datetimeFigureOut">
               <a:rPr lang="en-US" smtClean="0"/>
               <a:pPr/>
-              <a:t>5/16/18</a:t>
+              <a:t>5/17/18</a:t>
             </a:fld>
             <a:endParaRPr lang="en-US"/>
           </a:p>
@@ -1625,7 +1627,7 @@
             <a:fld id="{B7C3F878-F5E8-489B-AC8A-64F2A7E22C28}" type="datetimeFigureOut">
               <a:rPr lang="en-US" smtClean="0"/>
               <a:pPr/>
-              <a:t>5/16/18</a:t>
+              <a:t>5/17/18</a:t>
             </a:fld>
             <a:endParaRPr lang="en-US"/>
           </a:p>
@@ -2000,7 +2002,7 @@
             <a:fld id="{B7C3F878-F5E8-489B-AC8A-64F2A7E22C28}" type="datetimeFigureOut">
               <a:rPr lang="en-US" smtClean="0"/>
               <a:pPr/>
-              <a:t>5/16/18</a:t>
+              <a:t>5/17/18</a:t>
             </a:fld>
             <a:endParaRPr lang="en-US"/>
           </a:p>
@@ -2229,7 +2231,7 @@
             <a:fld id="{B7C3F878-F5E8-489B-AC8A-64F2A7E22C28}" type="datetimeFigureOut">
               <a:rPr lang="en-US" smtClean="0"/>
               <a:pPr/>
-              <a:t>5/16/18</a:t>
+              <a:t>5/17/18</a:t>
             </a:fld>
             <a:endParaRPr lang="en-US"/>
           </a:p>
@@ -2321,7 +2323,7 @@
             <a:fld id="{B7C3F878-F5E8-489B-AC8A-64F2A7E22C28}" type="datetimeFigureOut">
               <a:rPr lang="en-US" smtClean="0"/>
               <a:pPr/>
-              <a:t>5/16/18</a:t>
+              <a:t>5/17/18</a:t>
             </a:fld>
             <a:endParaRPr lang="en-US"/>
           </a:p>
@@ -3150,7 +3152,7 @@
             <a:fld id="{B7C3F878-F5E8-489B-AC8A-64F2A7E22C28}" type="datetimeFigureOut">
               <a:rPr lang="en-US" smtClean="0"/>
               <a:pPr/>
-              <a:t>5/16/18</a:t>
+              <a:t>5/17/18</a:t>
             </a:fld>
             <a:endParaRPr lang="en-US"/>
           </a:p>
@@ -3983,7 +3985,7 @@
             <a:fld id="{B7C3F878-F5E8-489B-AC8A-64F2A7E22C28}" type="datetimeFigureOut">
               <a:rPr lang="en-US" smtClean="0"/>
               <a:pPr/>
-              <a:t>5/16/18</a:t>
+              <a:t>5/17/18</a:t>
             </a:fld>
             <a:endParaRPr lang="en-US"/>
           </a:p>
@@ -4639,7 +4641,7 @@
             <a:fld id="{B7C3F878-F5E8-489B-AC8A-64F2A7E22C28}" type="datetimeFigureOut">
               <a:rPr lang="en-US" smtClean="0"/>
               <a:pPr/>
-              <a:t>5/16/18</a:t>
+              <a:t>5/17/18</a:t>
             </a:fld>
             <a:endParaRPr lang="en-US" dirty="0"/>
           </a:p>
@@ -5162,6 +5164,13 @@
   <p:clrMapOvr>
     <a:masterClrMapping/>
   </p:clrMapOvr>
+  <p:timing>
+    <p:tnLst>
+      <p:par>
+        <p:cTn xmlns:p14="http://schemas.microsoft.com/office/powerpoint/2010/main" id="1" dur="indefinite" restart="never" nodeType="tmRoot"/>
+      </p:par>
+    </p:tnLst>
+  </p:timing>
 </p:sld>
 </file>
 
@@ -5199,7 +5208,7 @@
           <a:p>
             <a:r>
               <a:rPr lang="en-US" dirty="0" smtClean="0"/>
-              <a:t>Challenges</a:t>
+              <a:t>Our Project</a:t>
             </a:r>
             <a:endParaRPr lang="en-US" dirty="0"/>
           </a:p>
@@ -5226,7 +5235,7 @@
             </a:pPr>
             <a:r>
               <a:rPr lang="en-US" dirty="0" smtClean="0"/>
-              <a:t>The whole project</a:t>
+              <a:t>Allows users to create events by day</a:t>
             </a:r>
           </a:p>
           <a:p>
@@ -5236,7 +5245,7 @@
             </a:pPr>
             <a:r>
               <a:rPr lang="en-US" dirty="0" smtClean="0"/>
-              <a:t>Massaging the data</a:t>
+              <a:t>Can select and manage other users calendars (good for families)</a:t>
             </a:r>
           </a:p>
           <a:p>
@@ -5246,20 +5255,8 @@
             </a:pPr>
             <a:r>
               <a:rPr lang="en-US" dirty="0" smtClean="0"/>
-              <a:t>Populating dates</a:t>
-            </a:r>
-          </a:p>
-          <a:p>
-            <a:pPr>
-              <a:buFont typeface="Arial"/>
-              <a:buChar char="•"/>
-            </a:pPr>
-            <a:r>
-              <a:rPr lang="en-US" dirty="0" smtClean="0"/>
-              <a:t>Connecting User &amp; Events with an id</a:t>
-            </a:r>
-          </a:p>
-          <a:p>
+              <a:t>Editable events</a:t>
+            </a:r>
             <a:endParaRPr lang="en-US" dirty="0"/>
           </a:p>
         </p:txBody>
@@ -5267,13 +5264,20 @@
     </p:spTree>
     <p:extLst>
       <p:ext uri="{BB962C8B-B14F-4D97-AF65-F5344CB8AC3E}">
-        <p14:creationId xmlns:p14="http://schemas.microsoft.com/office/powerpoint/2010/main" val="143036873"/>
+        <p14:creationId xmlns:p14="http://schemas.microsoft.com/office/powerpoint/2010/main" val="3676098660"/>
       </p:ext>
     </p:extLst>
   </p:cSld>
   <p:clrMapOvr>
     <a:masterClrMapping/>
   </p:clrMapOvr>
+  <p:timing>
+    <p:tnLst>
+      <p:par>
+        <p:cTn xmlns:p14="http://schemas.microsoft.com/office/powerpoint/2010/main" id="1" dur="indefinite" restart="never" nodeType="tmRoot"/>
+      </p:par>
+    </p:tnLst>
+  </p:timing>
 </p:sld>
 </file>
 
@@ -5311,6 +5315,125 @@
           <a:p>
             <a:r>
               <a:rPr lang="en-US" dirty="0" smtClean="0"/>
+              <a:t>Challenges</a:t>
+            </a:r>
+            <a:endParaRPr lang="en-US" dirty="0"/>
+          </a:p>
+        </p:txBody>
+      </p:sp>
+      <p:sp>
+        <p:nvSpPr>
+          <p:cNvPr id="3" name="Content Placeholder 2"/>
+          <p:cNvSpPr>
+            <a:spLocks noGrp="1"/>
+          </p:cNvSpPr>
+          <p:nvPr>
+            <p:ph idx="1"/>
+          </p:nvPr>
+        </p:nvSpPr>
+        <p:spPr/>
+        <p:txBody>
+          <a:bodyPr/>
+          <a:lstStyle/>
+          <a:p>
+            <a:pPr>
+              <a:buFont typeface="Arial"/>
+              <a:buChar char="•"/>
+            </a:pPr>
+            <a:r>
+              <a:rPr lang="en-US" dirty="0" smtClean="0"/>
+              <a:t>The whole project</a:t>
+            </a:r>
+          </a:p>
+          <a:p>
+            <a:pPr>
+              <a:buFont typeface="Arial"/>
+              <a:buChar char="•"/>
+            </a:pPr>
+            <a:r>
+              <a:rPr lang="en-US" dirty="0" smtClean="0"/>
+              <a:t>Massaging the data</a:t>
+            </a:r>
+          </a:p>
+          <a:p>
+            <a:pPr>
+              <a:buFont typeface="Arial"/>
+              <a:buChar char="•"/>
+            </a:pPr>
+            <a:r>
+              <a:rPr lang="en-US" dirty="0" smtClean="0"/>
+              <a:t>Populating dates</a:t>
+            </a:r>
+          </a:p>
+          <a:p>
+            <a:pPr>
+              <a:buFont typeface="Arial"/>
+              <a:buChar char="•"/>
+            </a:pPr>
+            <a:r>
+              <a:rPr lang="en-US" dirty="0" smtClean="0"/>
+              <a:t>Connecting User &amp; Events with an id</a:t>
+            </a:r>
+          </a:p>
+          <a:p>
+            <a:endParaRPr lang="en-US" dirty="0"/>
+          </a:p>
+        </p:txBody>
+      </p:sp>
+    </p:spTree>
+    <p:extLst>
+      <p:ext uri="{BB962C8B-B14F-4D97-AF65-F5344CB8AC3E}">
+        <p14:creationId xmlns:p14="http://schemas.microsoft.com/office/powerpoint/2010/main" val="143036873"/>
+      </p:ext>
+    </p:extLst>
+  </p:cSld>
+  <p:clrMapOvr>
+    <a:masterClrMapping/>
+  </p:clrMapOvr>
+  <p:timing>
+    <p:tnLst>
+      <p:par>
+        <p:cTn xmlns:p14="http://schemas.microsoft.com/office/powerpoint/2010/main" id="1" dur="indefinite" restart="never" nodeType="tmRoot"/>
+      </p:par>
+    </p:tnLst>
+  </p:timing>
+</p:sld>
+</file>
+
+<file path=ppt/slides/slide4.xml><?xml version="1.0" encoding="utf-8"?>
+<p:sld xmlns:a="http://schemas.openxmlformats.org/drawingml/2006/main" xmlns:r="http://schemas.openxmlformats.org/officeDocument/2006/relationships" xmlns:p="http://schemas.openxmlformats.org/presentationml/2006/main">
+  <p:cSld>
+    <p:spTree>
+      <p:nvGrpSpPr>
+        <p:cNvPr id="1" name=""/>
+        <p:cNvGrpSpPr/>
+        <p:nvPr/>
+      </p:nvGrpSpPr>
+      <p:grpSpPr>
+        <a:xfrm>
+          <a:off x="0" y="0"/>
+          <a:ext cx="0" cy="0"/>
+          <a:chOff x="0" y="0"/>
+          <a:chExt cx="0" cy="0"/>
+        </a:xfrm>
+      </p:grpSpPr>
+      <p:sp>
+        <p:nvSpPr>
+          <p:cNvPr id="2" name="Title 1"/>
+          <p:cNvSpPr>
+            <a:spLocks noGrp="1"/>
+          </p:cNvSpPr>
+          <p:nvPr>
+            <p:ph type="title"/>
+          </p:nvPr>
+        </p:nvSpPr>
+        <p:spPr/>
+        <p:txBody>
+          <a:bodyPr/>
+          <a:lstStyle/>
+          <a:p>
+            <a:r>
+              <a:rPr lang="en-US" dirty="0" smtClean="0"/>
               <a:t>Triumphs</a:t>
             </a:r>
             <a:endParaRPr lang="en-US" dirty="0"/>
@@ -5384,10 +5507,17 @@
   <p:clrMapOvr>
     <a:masterClrMapping/>
   </p:clrMapOvr>
+  <p:timing>
+    <p:tnLst>
+      <p:par>
+        <p:cTn xmlns:p14="http://schemas.microsoft.com/office/powerpoint/2010/main" id="1" dur="indefinite" restart="never" nodeType="tmRoot"/>
+      </p:par>
+    </p:tnLst>
+  </p:timing>
 </p:sld>
 </file>
 
-<file path=ppt/slides/slide4.xml><?xml version="1.0" encoding="utf-8"?>
+<file path=ppt/slides/slide5.xml><?xml version="1.0" encoding="utf-8"?>
 <p:sld xmlns:a="http://schemas.openxmlformats.org/drawingml/2006/main" xmlns:r="http://schemas.openxmlformats.org/officeDocument/2006/relationships" xmlns:p="http://schemas.openxmlformats.org/presentationml/2006/main">
   <p:cSld>
     <p:spTree>
@@ -5467,10 +5597,17 @@
   <p:clrMapOvr>
     <a:masterClrMapping/>
   </p:clrMapOvr>
+  <p:timing>
+    <p:tnLst>
+      <p:par>
+        <p:cTn xmlns:p14="http://schemas.microsoft.com/office/powerpoint/2010/main" id="1" dur="indefinite" restart="never" nodeType="tmRoot"/>
+      </p:par>
+    </p:tnLst>
+  </p:timing>
 </p:sld>
 </file>
 
-<file path=ppt/slides/slide5.xml><?xml version="1.0" encoding="utf-8"?>
+<file path=ppt/slides/slide6.xml><?xml version="1.0" encoding="utf-8"?>
 <p:sld xmlns:a="http://schemas.openxmlformats.org/drawingml/2006/main" xmlns:r="http://schemas.openxmlformats.org/officeDocument/2006/relationships" xmlns:p="http://schemas.openxmlformats.org/presentationml/2006/main">
   <p:cSld>
     <p:spTree>
@@ -5574,10 +5711,17 @@
   <p:clrMapOvr>
     <a:masterClrMapping/>
   </p:clrMapOvr>
+  <p:timing>
+    <p:tnLst>
+      <p:par>
+        <p:cTn xmlns:p14="http://schemas.microsoft.com/office/powerpoint/2010/main" id="1" dur="indefinite" restart="never" nodeType="tmRoot"/>
+      </p:par>
+    </p:tnLst>
+  </p:timing>
 </p:sld>
 </file>
 
-<file path=ppt/slides/slide6.xml><?xml version="1.0" encoding="utf-8"?>
+<file path=ppt/slides/slide7.xml><?xml version="1.0" encoding="utf-8"?>
 <p:sld xmlns:a="http://schemas.openxmlformats.org/drawingml/2006/main" xmlns:r="http://schemas.openxmlformats.org/officeDocument/2006/relationships" xmlns:p="http://schemas.openxmlformats.org/presentationml/2006/main">
   <p:cSld>
     <p:spTree>
@@ -5610,8 +5754,16 @@
           <a:lstStyle/>
           <a:p>
             <a:r>
-              <a:rPr lang="en-US" dirty="0" err="1" smtClean="0"/>
-              <a:t>Shoutouts</a:t>
+              <a:rPr lang="en-US" dirty="0" smtClean="0"/>
+              <a:t>If I had more time</a:t>
+            </a:r>
+            <a:r>
+              <a:rPr lang="mr-IN" dirty="0" smtClean="0"/>
+              <a:t>…</a:t>
+            </a:r>
+            <a:r>
+              <a:rPr lang="en-US" dirty="0" smtClean="0"/>
+              <a:t>.</a:t>
             </a:r>
             <a:endParaRPr lang="en-US" dirty="0"/>
           </a:p>
@@ -5638,7 +5790,7 @@
             </a:pPr>
             <a:r>
               <a:rPr lang="en-US" dirty="0" smtClean="0"/>
-              <a:t>Thank you Fanny </a:t>
+              <a:t>Validate the input fields to only take real days</a:t>
             </a:r>
           </a:p>
           <a:p>
@@ -5648,13 +5800,8 @@
             </a:pPr>
             <a:r>
               <a:rPr lang="en-US" dirty="0" smtClean="0"/>
-              <a:t>Thanks to Jacob for helping research </a:t>
-            </a:r>
-            <a:r>
-              <a:rPr lang="en-US" dirty="0" err="1" smtClean="0"/>
-              <a:t>Moment.js</a:t>
-            </a:r>
-            <a:endParaRPr lang="en-US" dirty="0" smtClean="0"/>
+              <a:t>Implement time to prioritize events</a:t>
+            </a:r>
           </a:p>
           <a:p>
             <a:pPr>
@@ -5663,7 +5810,154 @@
             </a:pPr>
             <a:r>
               <a:rPr lang="en-US" dirty="0" smtClean="0"/>
-              <a:t>Thanks to the class for the emotional support</a:t>
+              <a:t>Be able to switch to prev. and future week views</a:t>
+            </a:r>
+          </a:p>
+          <a:p>
+            <a:pPr>
+              <a:buFont typeface="Arial"/>
+              <a:buChar char="•"/>
+            </a:pPr>
+            <a:r>
+              <a:rPr lang="en-US" dirty="0" smtClean="0"/>
+              <a:t>Alerts and reoccurring events</a:t>
+            </a:r>
+          </a:p>
+          <a:p>
+            <a:pPr marL="0" indent="0">
+              <a:buNone/>
+            </a:pPr>
+            <a:endParaRPr lang="en-US" dirty="0" smtClean="0"/>
+          </a:p>
+          <a:p>
+            <a:pPr marL="0" indent="0">
+              <a:buNone/>
+            </a:pPr>
+            <a:endParaRPr lang="en-US" dirty="0"/>
+          </a:p>
+        </p:txBody>
+      </p:sp>
+    </p:spTree>
+    <p:extLst>
+      <p:ext uri="{BB962C8B-B14F-4D97-AF65-F5344CB8AC3E}">
+        <p14:creationId xmlns:p14="http://schemas.microsoft.com/office/powerpoint/2010/main" val="139859545"/>
+      </p:ext>
+    </p:extLst>
+  </p:cSld>
+  <p:clrMapOvr>
+    <a:masterClrMapping/>
+  </p:clrMapOvr>
+  <p:timing>
+    <p:tnLst>
+      <p:par>
+        <p:cTn xmlns:p14="http://schemas.microsoft.com/office/powerpoint/2010/main" id="1" dur="indefinite" restart="never" nodeType="tmRoot"/>
+      </p:par>
+    </p:tnLst>
+  </p:timing>
+</p:sld>
+</file>
+
+<file path=ppt/slides/slide8.xml><?xml version="1.0" encoding="utf-8"?>
+<p:sld xmlns:a="http://schemas.openxmlformats.org/drawingml/2006/main" xmlns:r="http://schemas.openxmlformats.org/officeDocument/2006/relationships" xmlns:p="http://schemas.openxmlformats.org/presentationml/2006/main">
+  <p:cSld>
+    <p:spTree>
+      <p:nvGrpSpPr>
+        <p:cNvPr id="1" name=""/>
+        <p:cNvGrpSpPr/>
+        <p:nvPr/>
+      </p:nvGrpSpPr>
+      <p:grpSpPr>
+        <a:xfrm>
+          <a:off x="0" y="0"/>
+          <a:ext cx="0" cy="0"/>
+          <a:chOff x="0" y="0"/>
+          <a:chExt cx="0" cy="0"/>
+        </a:xfrm>
+      </p:grpSpPr>
+      <p:sp>
+        <p:nvSpPr>
+          <p:cNvPr id="4" name="Title 3"/>
+          <p:cNvSpPr>
+            <a:spLocks noGrp="1"/>
+          </p:cNvSpPr>
+          <p:nvPr>
+            <p:ph type="title"/>
+          </p:nvPr>
+        </p:nvSpPr>
+        <p:spPr/>
+        <p:txBody>
+          <a:bodyPr/>
+          <a:lstStyle/>
+          <a:p>
+            <a:r>
+              <a:rPr lang="en-US" dirty="0" err="1" smtClean="0"/>
+              <a:t>Shoutouts</a:t>
+            </a:r>
+            <a:endParaRPr lang="en-US" dirty="0"/>
+          </a:p>
+        </p:txBody>
+      </p:sp>
+      <p:sp>
+        <p:nvSpPr>
+          <p:cNvPr id="5" name="Content Placeholder 4"/>
+          <p:cNvSpPr>
+            <a:spLocks noGrp="1"/>
+          </p:cNvSpPr>
+          <p:nvPr>
+            <p:ph idx="1"/>
+          </p:nvPr>
+        </p:nvSpPr>
+        <p:spPr/>
+        <p:txBody>
+          <a:bodyPr/>
+          <a:lstStyle/>
+          <a:p>
+            <a:pPr>
+              <a:buFont typeface="Arial"/>
+              <a:buChar char="•"/>
+            </a:pPr>
+            <a:r>
+              <a:rPr lang="en-US" dirty="0" smtClean="0"/>
+              <a:t>Thank you Fanny </a:t>
+            </a:r>
+          </a:p>
+          <a:p>
+            <a:pPr>
+              <a:buFont typeface="Arial"/>
+              <a:buChar char="•"/>
+            </a:pPr>
+            <a:r>
+              <a:rPr lang="en-US" dirty="0" smtClean="0"/>
+              <a:t>Thanks to Jacob for helping research </a:t>
+            </a:r>
+            <a:r>
+              <a:rPr lang="en-US" dirty="0" err="1" smtClean="0"/>
+              <a:t>Moment.js</a:t>
+            </a:r>
+            <a:endParaRPr lang="en-US" dirty="0" smtClean="0"/>
+          </a:p>
+          <a:p>
+            <a:pPr>
+              <a:buFont typeface="Arial"/>
+              <a:buChar char="•"/>
+            </a:pPr>
+            <a:r>
+              <a:rPr lang="en-US" dirty="0" smtClean="0"/>
+              <a:t>Thanks to the class for the emotional </a:t>
+            </a:r>
+            <a:r>
+              <a:rPr lang="en-US" dirty="0" smtClean="0"/>
+              <a:t>support</a:t>
+            </a:r>
+          </a:p>
+          <a:p>
+            <a:pPr>
+              <a:buFont typeface="Arial"/>
+              <a:buChar char="•"/>
+            </a:pPr>
+            <a:r>
+              <a:rPr lang="en-US" dirty="0" smtClean="0"/>
+              <a:t>Thanks to Michal for providing excellent deployment instructions </a:t>
             </a:r>
             <a:endParaRPr lang="en-US" dirty="0"/>
           </a:p>
@@ -5679,6 +5973,13 @@
   <p:clrMapOvr>
     <a:masterClrMapping/>
   </p:clrMapOvr>
+  <p:timing>
+    <p:tnLst>
+      <p:par>
+        <p:cTn xmlns:p14="http://schemas.microsoft.com/office/powerpoint/2010/main" id="1" dur="indefinite" restart="never" nodeType="tmRoot"/>
+      </p:par>
+    </p:tnLst>
+  </p:timing>
 </p:sld>
 </file>
 
